--- a/AI_presentation.pptx
+++ b/AI_presentation.pptx
@@ -25,7 +25,10 @@
     <p:sldId id="274" r:id="rId19"/>
     <p:sldId id="275" r:id="rId20"/>
     <p:sldId id="276" r:id="rId21"/>
-    <p:sldId id="277" r:id="rId22"/>
+    <p:sldId id="280" r:id="rId22"/>
+    <p:sldId id="281" r:id="rId23"/>
+    <p:sldId id="283" r:id="rId24"/>
+    <p:sldId id="277" r:id="rId25"/>
   </p:sldIdLst>
   <p:sldSz cx="12192000" cy="6858000"/>
   <p:notesSz cx="6858000" cy="9144000"/>
@@ -136,6 +139,7 @@
 <p1510:revInfo xmlns:a="http://schemas.openxmlformats.org/drawingml/2006/main" xmlns:r="http://schemas.openxmlformats.org/officeDocument/2006/relationships" xmlns:p1510="http://schemas.microsoft.com/office/powerpoint/2015/10/main">
   <p1510:revLst>
     <p1510:client id="{0BA9A81C-67E2-49EB-9F4D-516BB3AE14D7}" v="1507" dt="2023-11-21T18:05:30.200"/>
+    <p1510:client id="{B7D2D1FE-0EB1-C964-74DF-9A50D6B95637}" v="112" dt="2023-12-03T03:19:02.162"/>
     <p1510:client id="{F5B811E2-3855-8243-BC9F-6817BCA8E1FE}" v="5" dt="2023-11-21T00:21:06.196"/>
   </p1510:revLst>
 </p1510:revInfo>
@@ -4084,7 +4088,7 @@
           <a:p>
             <a:fld id="{96DFF08F-DC6B-4601-B491-B0F83F6DD2DA}" type="datetimeFigureOut">
               <a:rPr lang="en-US" dirty="0"/>
-              <a:t>11/21/2023</a:t>
+              <a:t>12/2/2023</a:t>
             </a:fld>
             <a:endParaRPr lang="en-US"/>
           </a:p>
@@ -4290,7 +4294,7 @@
           <a:p>
             <a:fld id="{96DFF08F-DC6B-4601-B491-B0F83F6DD2DA}" type="datetimeFigureOut">
               <a:rPr lang="en-US" dirty="0"/>
-              <a:t>11/21/2023</a:t>
+              <a:t>12/2/2023</a:t>
             </a:fld>
             <a:endParaRPr lang="en-US"/>
           </a:p>
@@ -4544,7 +4548,7 @@
           <a:p>
             <a:fld id="{96DFF08F-DC6B-4601-B491-B0F83F6DD2DA}" type="datetimeFigureOut">
               <a:rPr lang="en-US" dirty="0"/>
-              <a:t>11/21/2023</a:t>
+              <a:t>12/2/2023</a:t>
             </a:fld>
             <a:endParaRPr lang="en-US"/>
           </a:p>
@@ -4712,7 +4716,7 @@
           <a:p>
             <a:fld id="{D62CEF3B-A037-46D0-B02C-1428F07E9383}" type="datetimeFigureOut">
               <a:rPr lang="en-US" dirty="0"/>
-              <a:t>11/21/2023</a:t>
+              <a:t>12/2/2023</a:t>
             </a:fld>
             <a:endParaRPr lang="en-US"/>
           </a:p>
@@ -5054,7 +5058,7 @@
           <a:p>
             <a:fld id="{96DFF08F-DC6B-4601-B491-B0F83F6DD2DA}" type="datetimeFigureOut">
               <a:rPr lang="en-US" dirty="0"/>
-              <a:t>11/21/2023</a:t>
+              <a:t>12/2/2023</a:t>
             </a:fld>
             <a:endParaRPr lang="en-US"/>
           </a:p>
@@ -5326,7 +5330,7 @@
           <a:p>
             <a:fld id="{96DFF08F-DC6B-4601-B491-B0F83F6DD2DA}" type="datetimeFigureOut">
               <a:rPr lang="en-US" dirty="0"/>
-              <a:t>11/21/2023</a:t>
+              <a:t>12/2/2023</a:t>
             </a:fld>
             <a:endParaRPr lang="en-US"/>
           </a:p>
@@ -5702,7 +5706,7 @@
           <a:p>
             <a:fld id="{96DFF08F-DC6B-4601-B491-B0F83F6DD2DA}" type="datetimeFigureOut">
               <a:rPr lang="en-US" dirty="0"/>
-              <a:t>11/21/2023</a:t>
+              <a:t>12/2/2023</a:t>
             </a:fld>
             <a:endParaRPr lang="en-US"/>
           </a:p>
@@ -5819,7 +5823,7 @@
           <a:p>
             <a:fld id="{96DFF08F-DC6B-4601-B491-B0F83F6DD2DA}" type="datetimeFigureOut">
               <a:rPr lang="en-US" dirty="0"/>
-              <a:t>11/21/2023</a:t>
+              <a:t>12/2/2023</a:t>
             </a:fld>
             <a:endParaRPr lang="en-US"/>
           </a:p>
@@ -5991,7 +5995,7 @@
             <a:fld id="{96DFF08F-DC6B-4601-B491-B0F83F6DD2DA}" type="datetimeFigureOut">
               <a:rPr lang="en-US" dirty="0"/>
               <a:pPr/>
-              <a:t>11/21/2023</a:t>
+              <a:t>12/2/2023</a:t>
             </a:fld>
             <a:endParaRPr lang="en-US"/>
           </a:p>
@@ -6345,7 +6349,7 @@
             <a:fld id="{96DFF08F-DC6B-4601-B491-B0F83F6DD2DA}" type="datetimeFigureOut">
               <a:rPr lang="en-US" dirty="0"/>
               <a:pPr/>
-              <a:t>11/21/2023</a:t>
+              <a:t>12/2/2023</a:t>
             </a:fld>
             <a:endParaRPr lang="en-US"/>
           </a:p>
@@ -6718,7 +6722,7 @@
           <a:p>
             <a:fld id="{96DFF08F-DC6B-4601-B491-B0F83F6DD2DA}" type="datetimeFigureOut">
               <a:rPr lang="en-US" dirty="0"/>
-              <a:t>11/21/2023</a:t>
+              <a:t>12/2/2023</a:t>
             </a:fld>
             <a:endParaRPr lang="en-US"/>
           </a:p>
@@ -7004,7 +7008,7 @@
             <a:fld id="{96DFF08F-DC6B-4601-B491-B0F83F6DD2DA}" type="datetimeFigureOut">
               <a:rPr lang="en-US" dirty="0"/>
               <a:pPr/>
-              <a:t>11/21/2023</a:t>
+              <a:t>12/2/2023</a:t>
             </a:fld>
             <a:endParaRPr lang="en-US"/>
           </a:p>
@@ -10679,6 +10683,336 @@
 <file path=ppt/slides/slide21.xml><?xml version="1.0" encoding="utf-8"?>
 <p:sld xmlns:a="http://schemas.openxmlformats.org/drawingml/2006/main" xmlns:r="http://schemas.openxmlformats.org/officeDocument/2006/relationships" xmlns:p="http://schemas.openxmlformats.org/presentationml/2006/main">
   <p:cSld>
+    <p:spTree>
+      <p:nvGrpSpPr>
+        <p:cNvPr id="1" name=""/>
+        <p:cNvGrpSpPr/>
+        <p:nvPr/>
+      </p:nvGrpSpPr>
+      <p:grpSpPr>
+        <a:xfrm>
+          <a:off x="0" y="0"/>
+          <a:ext cx="0" cy="0"/>
+          <a:chOff x="0" y="0"/>
+          <a:chExt cx="0" cy="0"/>
+        </a:xfrm>
+      </p:grpSpPr>
+      <p:sp>
+        <p:nvSpPr>
+          <p:cNvPr id="2" name="Title 1">
+            <a:extLst>
+              <a:ext uri="{FF2B5EF4-FFF2-40B4-BE49-F238E27FC236}">
+                <a16:creationId xmlns:a16="http://schemas.microsoft.com/office/drawing/2014/main" id="{708883A6-1CAB-0EB4-44D2-6D12D3DEBD7B}"/>
+              </a:ext>
+            </a:extLst>
+          </p:cNvPr>
+          <p:cNvSpPr>
+            <a:spLocks noGrp="1"/>
+          </p:cNvSpPr>
+          <p:nvPr>
+            <p:ph type="title"/>
+          </p:nvPr>
+        </p:nvSpPr>
+        <p:spPr/>
+        <p:txBody>
+          <a:bodyPr/>
+          <a:lstStyle/>
+          <a:p>
+            <a:r>
+              <a:rPr lang="en-US" dirty="0">
+                <a:cs typeface="Calibri Light"/>
+              </a:rPr>
+              <a:t>K-Fold</a:t>
+            </a:r>
+            <a:endParaRPr lang="en-US" dirty="0"/>
+          </a:p>
+        </p:txBody>
+      </p:sp>
+      <p:pic>
+        <p:nvPicPr>
+          <p:cNvPr id="5" name="Content Placeholder 4" descr="A table of k-fold micro metrics&#10;&#10;Description automatically generated">
+            <a:extLst>
+              <a:ext uri="{FF2B5EF4-FFF2-40B4-BE49-F238E27FC236}">
+                <a16:creationId xmlns:a16="http://schemas.microsoft.com/office/drawing/2014/main" id="{F0320759-9FF8-7DCF-C26E-C23550D1B455}"/>
+              </a:ext>
+            </a:extLst>
+          </p:cNvPr>
+          <p:cNvPicPr>
+            <a:picLocks noGrp="1" noChangeAspect="1"/>
+          </p:cNvPicPr>
+          <p:nvPr>
+            <p:ph sz="half" idx="1"/>
+          </p:nvPr>
+        </p:nvPicPr>
+        <p:blipFill>
+          <a:blip r:embed="rId2"/>
+          <a:stretch>
+            <a:fillRect/>
+          </a:stretch>
+        </p:blipFill>
+        <p:spPr>
+          <a:xfrm>
+            <a:off x="1097280" y="2433887"/>
+            <a:ext cx="4937760" cy="2847052"/>
+          </a:xfrm>
+        </p:spPr>
+      </p:pic>
+      <p:pic>
+        <p:nvPicPr>
+          <p:cNvPr id="6" name="Content Placeholder 5" descr="A table of k-fold micro metrics&#10;&#10;Description automatically generated">
+            <a:extLst>
+              <a:ext uri="{FF2B5EF4-FFF2-40B4-BE49-F238E27FC236}">
+                <a16:creationId xmlns:a16="http://schemas.microsoft.com/office/drawing/2014/main" id="{DDD96664-3C36-7EC4-B781-28AB9732AE0C}"/>
+              </a:ext>
+            </a:extLst>
+          </p:cNvPr>
+          <p:cNvPicPr>
+            <a:picLocks noGrp="1" noChangeAspect="1"/>
+          </p:cNvPicPr>
+          <p:nvPr>
+            <p:ph sz="half" idx="2"/>
+          </p:nvPr>
+        </p:nvPicPr>
+        <p:blipFill>
+          <a:blip r:embed="rId2"/>
+          <a:stretch>
+            <a:fillRect/>
+          </a:stretch>
+        </p:blipFill>
+        <p:spPr>
+          <a:xfrm>
+            <a:off x="6217920" y="2433889"/>
+            <a:ext cx="4937760" cy="2847052"/>
+          </a:xfrm>
+        </p:spPr>
+      </p:pic>
+    </p:spTree>
+    <p:extLst>
+      <p:ext uri="{BB962C8B-B14F-4D97-AF65-F5344CB8AC3E}">
+        <p14:creationId xmlns:p14="http://schemas.microsoft.com/office/powerpoint/2010/main" val="1203964662"/>
+      </p:ext>
+    </p:extLst>
+  </p:cSld>
+  <p:clrMapOvr>
+    <a:masterClrMapping/>
+  </p:clrMapOvr>
+</p:sld>
+</file>
+
+<file path=ppt/slides/slide22.xml><?xml version="1.0" encoding="utf-8"?>
+<p:sld xmlns:a="http://schemas.openxmlformats.org/drawingml/2006/main" xmlns:r="http://schemas.openxmlformats.org/officeDocument/2006/relationships" xmlns:p="http://schemas.openxmlformats.org/presentationml/2006/main">
+  <p:cSld>
+    <p:spTree>
+      <p:nvGrpSpPr>
+        <p:cNvPr id="1" name=""/>
+        <p:cNvGrpSpPr/>
+        <p:nvPr/>
+      </p:nvGrpSpPr>
+      <p:grpSpPr>
+        <a:xfrm>
+          <a:off x="0" y="0"/>
+          <a:ext cx="0" cy="0"/>
+          <a:chOff x="0" y="0"/>
+          <a:chExt cx="0" cy="0"/>
+        </a:xfrm>
+      </p:grpSpPr>
+      <p:sp>
+        <p:nvSpPr>
+          <p:cNvPr id="2" name="Title 1">
+            <a:extLst>
+              <a:ext uri="{FF2B5EF4-FFF2-40B4-BE49-F238E27FC236}">
+                <a16:creationId xmlns:a16="http://schemas.microsoft.com/office/drawing/2014/main" id="{04DEECAB-1129-D96B-B62B-E34BF492BD80}"/>
+              </a:ext>
+            </a:extLst>
+          </p:cNvPr>
+          <p:cNvSpPr>
+            <a:spLocks noGrp="1"/>
+          </p:cNvSpPr>
+          <p:nvPr>
+            <p:ph type="title"/>
+          </p:nvPr>
+        </p:nvSpPr>
+        <p:spPr/>
+        <p:txBody>
+          <a:bodyPr/>
+          <a:lstStyle/>
+          <a:p>
+            <a:r>
+              <a:rPr lang="en-US" dirty="0">
+                <a:ea typeface="+mj-lt"/>
+                <a:cs typeface="+mj-lt"/>
+              </a:rPr>
+              <a:t>Bias Analysis</a:t>
+            </a:r>
+            <a:endParaRPr lang="en-US" dirty="0"/>
+          </a:p>
+        </p:txBody>
+      </p:sp>
+      <p:pic>
+        <p:nvPicPr>
+          <p:cNvPr id="4" name="Content Placeholder 3">
+            <a:extLst>
+              <a:ext uri="{FF2B5EF4-FFF2-40B4-BE49-F238E27FC236}">
+                <a16:creationId xmlns:a16="http://schemas.microsoft.com/office/drawing/2014/main" id="{960F87D3-C924-E48A-0478-48C0757BF610}"/>
+              </a:ext>
+            </a:extLst>
+          </p:cNvPr>
+          <p:cNvPicPr>
+            <a:picLocks noGrp="1" noChangeAspect="1"/>
+          </p:cNvPicPr>
+          <p:nvPr>
+            <p:ph idx="1"/>
+          </p:nvPr>
+        </p:nvPicPr>
+        <p:blipFill>
+          <a:blip r:embed="rId2"/>
+          <a:stretch>
+            <a:fillRect/>
+          </a:stretch>
+        </p:blipFill>
+        <p:spPr>
+          <a:xfrm>
+            <a:off x="1279289" y="1845734"/>
+            <a:ext cx="9694382" cy="4023360"/>
+          </a:xfrm>
+        </p:spPr>
+      </p:pic>
+    </p:spTree>
+    <p:extLst>
+      <p:ext uri="{BB962C8B-B14F-4D97-AF65-F5344CB8AC3E}">
+        <p14:creationId xmlns:p14="http://schemas.microsoft.com/office/powerpoint/2010/main" val="3435234585"/>
+      </p:ext>
+    </p:extLst>
+  </p:cSld>
+  <p:clrMapOvr>
+    <a:masterClrMapping/>
+  </p:clrMapOvr>
+</p:sld>
+</file>
+
+<file path=ppt/slides/slide23.xml><?xml version="1.0" encoding="utf-8"?>
+<p:sld xmlns:a="http://schemas.openxmlformats.org/drawingml/2006/main" xmlns:r="http://schemas.openxmlformats.org/officeDocument/2006/relationships" xmlns:p="http://schemas.openxmlformats.org/presentationml/2006/main">
+  <p:cSld>
+    <p:spTree>
+      <p:nvGrpSpPr>
+        <p:cNvPr id="1" name=""/>
+        <p:cNvGrpSpPr/>
+        <p:nvPr/>
+      </p:nvGrpSpPr>
+      <p:grpSpPr>
+        <a:xfrm>
+          <a:off x="0" y="0"/>
+          <a:ext cx="0" cy="0"/>
+          <a:chOff x="0" y="0"/>
+          <a:chExt cx="0" cy="0"/>
+        </a:xfrm>
+      </p:grpSpPr>
+      <p:sp>
+        <p:nvSpPr>
+          <p:cNvPr id="2" name="Title 1">
+            <a:extLst>
+              <a:ext uri="{FF2B5EF4-FFF2-40B4-BE49-F238E27FC236}">
+                <a16:creationId xmlns:a16="http://schemas.microsoft.com/office/drawing/2014/main" id="{2B663075-FC88-52E5-2DBA-FCB5E668A187}"/>
+              </a:ext>
+            </a:extLst>
+          </p:cNvPr>
+          <p:cNvSpPr>
+            <a:spLocks noGrp="1"/>
+          </p:cNvSpPr>
+          <p:nvPr>
+            <p:ph type="title"/>
+          </p:nvPr>
+        </p:nvSpPr>
+        <p:spPr/>
+        <p:txBody>
+          <a:bodyPr/>
+          <a:lstStyle/>
+          <a:p>
+            <a:r>
+              <a:rPr lang="en-US" dirty="0">
+                <a:ea typeface="+mj-lt"/>
+                <a:cs typeface="+mj-lt"/>
+              </a:rPr>
+              <a:t>Retraining and Mitigating Bias</a:t>
+            </a:r>
+            <a:endParaRPr lang="en-US" dirty="0"/>
+          </a:p>
+        </p:txBody>
+      </p:sp>
+      <p:pic>
+        <p:nvPicPr>
+          <p:cNvPr id="6" name="Content Placeholder 5" descr="A table with numbers and letters&#10;&#10;Description automatically generated">
+            <a:extLst>
+              <a:ext uri="{FF2B5EF4-FFF2-40B4-BE49-F238E27FC236}">
+                <a16:creationId xmlns:a16="http://schemas.microsoft.com/office/drawing/2014/main" id="{2BD05C81-2644-0227-DD6B-51335FA50693}"/>
+              </a:ext>
+            </a:extLst>
+          </p:cNvPr>
+          <p:cNvPicPr>
+            <a:picLocks noGrp="1" noChangeAspect="1"/>
+          </p:cNvPicPr>
+          <p:nvPr>
+            <p:ph sz="half" idx="1"/>
+          </p:nvPr>
+        </p:nvPicPr>
+        <p:blipFill>
+          <a:blip r:embed="rId2"/>
+          <a:stretch>
+            <a:fillRect/>
+          </a:stretch>
+        </p:blipFill>
+        <p:spPr>
+          <a:xfrm>
+            <a:off x="2659862" y="1802771"/>
+            <a:ext cx="6934392" cy="2247689"/>
+          </a:xfrm>
+        </p:spPr>
+      </p:pic>
+      <p:pic>
+        <p:nvPicPr>
+          <p:cNvPr id="7" name="Content Placeholder 6" descr="A table with numbers and letters&#10;&#10;Description automatically generated">
+            <a:extLst>
+              <a:ext uri="{FF2B5EF4-FFF2-40B4-BE49-F238E27FC236}">
+                <a16:creationId xmlns:a16="http://schemas.microsoft.com/office/drawing/2014/main" id="{3B9242A8-ACF1-C4E6-F234-98FCAFAE6D38}"/>
+              </a:ext>
+            </a:extLst>
+          </p:cNvPr>
+          <p:cNvPicPr>
+            <a:picLocks noGrp="1" noChangeAspect="1"/>
+          </p:cNvPicPr>
+          <p:nvPr>
+            <p:ph sz="half" idx="2"/>
+          </p:nvPr>
+        </p:nvPicPr>
+        <p:blipFill>
+          <a:blip r:embed="rId3"/>
+          <a:stretch>
+            <a:fillRect/>
+          </a:stretch>
+        </p:blipFill>
+        <p:spPr>
+          <a:xfrm>
+            <a:off x="2629768" y="4182393"/>
+            <a:ext cx="6934392" cy="2147259"/>
+          </a:xfrm>
+        </p:spPr>
+      </p:pic>
+    </p:spTree>
+    <p:extLst>
+      <p:ext uri="{BB962C8B-B14F-4D97-AF65-F5344CB8AC3E}">
+        <p14:creationId xmlns:p14="http://schemas.microsoft.com/office/powerpoint/2010/main" val="636036492"/>
+      </p:ext>
+    </p:extLst>
+  </p:cSld>
+  <p:clrMapOvr>
+    <a:masterClrMapping/>
+  </p:clrMapOvr>
+</p:sld>
+</file>
+
+<file path=ppt/slides/slide24.xml><?xml version="1.0" encoding="utf-8"?>
+<p:sld xmlns:a="http://schemas.openxmlformats.org/drawingml/2006/main" xmlns:r="http://schemas.openxmlformats.org/officeDocument/2006/relationships" xmlns:p="http://schemas.openxmlformats.org/presentationml/2006/main">
+  <p:cSld>
     <p:bg>
       <p:bgPr>
         <a:solidFill>
